--- a/presentation.pptx
+++ b/presentation.pptx
@@ -4992,6 +4992,21 @@
 <file path=ppt/slides/slide1.xml><?xml version="1.0" encoding="utf-8"?>
 <p:sld xmlns:a="http://schemas.openxmlformats.org/drawingml/2006/main" xmlns:r="http://schemas.openxmlformats.org/officeDocument/2006/relationships" xmlns:p="http://schemas.openxmlformats.org/presentationml/2006/main">
   <p:cSld>
+    <p:bg>
+      <p:bgPr>
+        <a:blipFill dpi="0" rotWithShape="1">
+          <a:blip r:embed="rId2">
+            <a:alphaModFix amt="50000"/>
+            <a:lum/>
+          </a:blip>
+          <a:srcRect/>
+          <a:stretch>
+            <a:fillRect/>
+          </a:stretch>
+        </a:blipFill>
+        <a:effectLst/>
+      </p:bgPr>
+    </p:bg>
     <p:spTree>
       <p:nvGrpSpPr>
         <p:cNvPr id="1" name=""/>
@@ -9269,6 +9284,21 @@
 <file path=ppt/slides/slide8.xml><?xml version="1.0" encoding="utf-8"?>
 <p:sld xmlns:a="http://schemas.openxmlformats.org/drawingml/2006/main" xmlns:r="http://schemas.openxmlformats.org/officeDocument/2006/relationships" xmlns:p="http://schemas.openxmlformats.org/presentationml/2006/main">
   <p:cSld>
+    <p:bg>
+      <p:bgPr>
+        <a:blipFill dpi="0" rotWithShape="1">
+          <a:blip r:embed="rId2">
+            <a:alphaModFix amt="50000"/>
+            <a:lum/>
+          </a:blip>
+          <a:srcRect/>
+          <a:stretch>
+            <a:fillRect l="-4000" r="-4000"/>
+          </a:stretch>
+        </a:blipFill>
+        <a:effectLst/>
+      </p:bgPr>
+    </p:bg>
     <p:spTree>
       <p:nvGrpSpPr>
         <p:cNvPr id="1" name=""/>
